--- a/Docs/INSPECCIÓN 3/16052024 - 8. Revisión del Sprint 1.pptx
+++ b/Docs/INSPECCIÓN 3/16052024 - 8. Revisión del Sprint 1.pptx
@@ -13,16 +13,17 @@
     <p:sldId id="258" r:id="rId8"/>
     <p:sldId id="259" r:id="rId9"/>
     <p:sldId id="260" r:id="rId10"/>
+    <p:sldId id="261" r:id="rId11"/>
   </p:sldIdLst>
   <p:sldSz cy="6858000" cx="9144000"/>
   <p:notesSz cx="6858000" cy="9144000"/>
   <p:embeddedFontLst>
     <p:embeddedFont>
       <p:font typeface="Century Gothic"/>
-      <p:regular r:id="rId11"/>
-      <p:bold r:id="rId12"/>
-      <p:italic r:id="rId13"/>
-      <p:boldItalic r:id="rId14"/>
+      <p:regular r:id="rId12"/>
+      <p:bold r:id="rId13"/>
+      <p:italic r:id="rId14"/>
+      <p:boldItalic r:id="rId15"/>
     </p:embeddedFont>
   </p:embeddedFontLst>
   <p:defaultTextStyle>
@@ -270,7 +271,7 @@
       </p15:sldGuideLst>
     </p:ext>
     <p:ext uri="GoogleSlidesCustomDataVersion2">
-      <go:slidesCustomData xmlns:go="http://customooxmlschemas.google.com/" r:id="rId15" roundtripDataSignature="AMtx7mh4ikkfs4jpTbyjfJRR/V23Qq1lOw=="/>
+      <go:slidesCustomData xmlns:go="http://customooxmlschemas.google.com/" r:id="rId16" roundtripDataSignature="AMtx7mhS0IRW8vxHBp/wXxcVYc31HY3/Qw=="/>
     </p:ext>
   </p:extLst>
 </p:presentation>
@@ -1903,7 +1904,7 @@
   <p:cSld>
     <p:spTree>
       <p:nvGrpSpPr>
-        <p:cNvPr id="171" name="Shape 171"/>
+        <p:cNvPr id="177" name="Shape 177"/>
         <p:cNvGrpSpPr/>
         <p:nvPr/>
       </p:nvGrpSpPr>
@@ -1917,7 +1918,42 @@
       </p:grpSpPr>
       <p:sp>
         <p:nvSpPr>
-          <p:cNvPr id="172" name="Google Shape;172;g2df54550888_0_5:notes"/>
+          <p:cNvPr id="178" name="Google Shape;178;g2df592c8248_0_40:notes"/>
+          <p:cNvSpPr/>
+          <p:nvPr>
+            <p:ph idx="2" type="sldImg"/>
+          </p:nvPr>
+        </p:nvSpPr>
+        <p:spPr>
+          <a:xfrm>
+            <a:off x="1371600" y="1143000"/>
+            <a:ext cx="4114800" cy="3086100"/>
+          </a:xfrm>
+          <a:custGeom>
+            <a:rect b="b" l="l" r="r" t="t"/>
+            <a:pathLst>
+              <a:path extrusionOk="0" h="120000" w="120000">
+                <a:moveTo>
+                  <a:pt x="0" y="0"/>
+                </a:moveTo>
+                <a:lnTo>
+                  <a:pt x="120000" y="0"/>
+                </a:lnTo>
+                <a:lnTo>
+                  <a:pt x="120000" y="120000"/>
+                </a:lnTo>
+                <a:lnTo>
+                  <a:pt x="0" y="120000"/>
+                </a:lnTo>
+                <a:close/>
+              </a:path>
+            </a:pathLst>
+          </a:custGeom>
+        </p:spPr>
+      </p:sp>
+      <p:sp>
+        <p:nvSpPr>
+          <p:cNvPr id="179" name="Google Shape;179;g2df592c8248_0_40:notes"/>
           <p:cNvSpPr txBox="1"/>
           <p:nvPr>
             <p:ph idx="1" type="body"/>
@@ -1956,7 +1992,115 @@
       </p:sp>
       <p:sp>
         <p:nvSpPr>
-          <p:cNvPr id="173" name="Google Shape;173;g2df54550888_0_5:notes"/>
+          <p:cNvPr id="180" name="Google Shape;180;g2df592c8248_0_40:notes"/>
+          <p:cNvSpPr txBox="1"/>
+          <p:nvPr>
+            <p:ph idx="12" type="sldNum"/>
+          </p:nvPr>
+        </p:nvSpPr>
+        <p:spPr>
+          <a:xfrm>
+            <a:off x="3884613" y="8685213"/>
+            <a:ext cx="2971800" cy="458700"/>
+          </a:xfrm>
+          <a:prstGeom prst="rect">
+            <a:avLst/>
+          </a:prstGeom>
+        </p:spPr>
+        <p:txBody>
+          <a:bodyPr anchorCtr="0" anchor="b" bIns="45700" lIns="91425" spcFirstLastPara="1" rIns="91425" wrap="square" tIns="45700">
+            <a:noAutofit/>
+          </a:bodyPr>
+          <a:lstStyle/>
+          <a:p>
+            <a:pPr indent="0" lvl="0" marL="0" rtl="0" algn="r">
+              <a:spcBef>
+                <a:spcPts val="0"/>
+              </a:spcBef>
+              <a:spcAft>
+                <a:spcPts val="0"/>
+              </a:spcAft>
+              <a:buClr>
+                <a:srgbClr val="000000"/>
+              </a:buClr>
+              <a:buFont typeface="Arial"/>
+              <a:buNone/>
+            </a:pPr>
+            <a:fld id="{00000000-1234-1234-1234-123412341234}" type="slidenum">
+              <a:rPr lang="es-PA"/>
+              <a:t>‹#›</a:t>
+            </a:fld>
+            <a:endParaRPr/>
+          </a:p>
+        </p:txBody>
+      </p:sp>
+    </p:spTree>
+  </p:cSld>
+  <p:clrMapOvr>
+    <a:masterClrMapping/>
+  </p:clrMapOvr>
+</p:notes>
+</file>
+
+<file path=ppt/notesSlides/notesSlide6.xml><?xml version="1.0" encoding="utf-8"?>
+<p:notes xmlns:a="http://schemas.openxmlformats.org/drawingml/2006/main" xmlns:r="http://schemas.openxmlformats.org/officeDocument/2006/relationships" xmlns:mc="http://schemas.openxmlformats.org/markup-compatibility/2006" xmlns:mv="urn:schemas-microsoft-com:mac:vml" xmlns:p="http://schemas.openxmlformats.org/presentationml/2006/main" xmlns:c="http://schemas.openxmlformats.org/drawingml/2006/chart" xmlns:dgm="http://schemas.openxmlformats.org/drawingml/2006/diagram" xmlns:o="urn:schemas-microsoft-com:office:office" xmlns:v="urn:schemas-microsoft-com:vml" xmlns:pvml="urn:schemas-microsoft-com:office:powerpoint" xmlns:com="http://schemas.openxmlformats.org/drawingml/2006/compatibility" xmlns:p14="http://schemas.microsoft.com/office/powerpoint/2010/main" xmlns:p15="http://schemas.microsoft.com/office/powerpoint/2012/main" xmlns:ahyp="http://schemas.microsoft.com/office/drawing/2018/hyperlinkcolor" showMasterPhAnim="0" showMasterSp="0">
+  <p:cSld>
+    <p:spTree>
+      <p:nvGrpSpPr>
+        <p:cNvPr id="189" name="Shape 189"/>
+        <p:cNvGrpSpPr/>
+        <p:nvPr/>
+      </p:nvGrpSpPr>
+      <p:grpSpPr>
+        <a:xfrm>
+          <a:off x="0" y="0"/>
+          <a:ext cx="0" cy="0"/>
+          <a:chOff x="0" y="0"/>
+          <a:chExt cx="0" cy="0"/>
+        </a:xfrm>
+      </p:grpSpPr>
+      <p:sp>
+        <p:nvSpPr>
+          <p:cNvPr id="190" name="Google Shape;190;g2df54550888_0_5:notes"/>
+          <p:cNvSpPr txBox="1"/>
+          <p:nvPr>
+            <p:ph idx="1" type="body"/>
+          </p:nvPr>
+        </p:nvSpPr>
+        <p:spPr>
+          <a:xfrm>
+            <a:off x="685800" y="4400550"/>
+            <a:ext cx="5486400" cy="3600600"/>
+          </a:xfrm>
+          <a:prstGeom prst="rect">
+            <a:avLst/>
+          </a:prstGeom>
+        </p:spPr>
+        <p:txBody>
+          <a:bodyPr anchorCtr="0" anchor="t" bIns="45700" lIns="91425" spcFirstLastPara="1" rIns="91425" wrap="square" tIns="45700">
+            <a:noAutofit/>
+          </a:bodyPr>
+          <a:lstStyle/>
+          <a:p>
+            <a:pPr indent="0" lvl="0" marL="0" rtl="0" algn="l">
+              <a:spcBef>
+                <a:spcPts val="0"/>
+              </a:spcBef>
+              <a:spcAft>
+                <a:spcPts val="0"/>
+              </a:spcAft>
+              <a:buNone/>
+            </a:pPr>
+            <a:r>
+              <a:t/>
+            </a:r>
+            <a:endParaRPr/>
+          </a:p>
+        </p:txBody>
+      </p:sp>
+      <p:sp>
+        <p:nvSpPr>
+          <p:cNvPr id="191" name="Google Shape;191;g2df54550888_0_5:notes"/>
           <p:cNvSpPr/>
           <p:nvPr>
             <p:ph idx="2" type="sldImg"/>
@@ -18342,8 +18486,8 @@
         </p:nvSpPr>
         <p:spPr>
           <a:xfrm>
-            <a:off x="467550" y="1412775"/>
-            <a:ext cx="8211300" cy="523200"/>
+            <a:off x="466350" y="1023800"/>
+            <a:ext cx="7614300" cy="954300"/>
           </a:xfrm>
           <a:prstGeom prst="rect">
             <a:avLst/>
@@ -18400,8 +18544,8 @@
         </p:nvSpPr>
         <p:spPr>
           <a:xfrm>
-            <a:off x="467550" y="2192975"/>
-            <a:ext cx="8211300" cy="1293000"/>
+            <a:off x="466350" y="3093500"/>
+            <a:ext cx="8211300" cy="1200600"/>
           </a:xfrm>
           <a:prstGeom prst="rect">
             <a:avLst/>
@@ -18417,7 +18561,7 @@
           </a:bodyPr>
           <a:lstStyle/>
           <a:p>
-            <a:pPr indent="-342900" lvl="0" marL="457200" rtl="0" algn="l">
+            <a:pPr indent="-368300" lvl="0" marL="457200" rtl="0" algn="l">
               <a:spcBef>
                 <a:spcPts val="0"/>
               </a:spcBef>
@@ -18425,71 +18569,36 @@
                 <a:spcPts val="0"/>
               </a:spcAft>
               <a:buClr>
-                <a:schemeClr val="lt1"/>
+                <a:srgbClr val="FFFFFF"/>
               </a:buClr>
-              <a:buSzPts val="1800"/>
+              <a:buSzPts val="2200"/>
               <a:buFont typeface="Century Gothic"/>
               <a:buAutoNum type="arabicPeriod"/>
             </a:pPr>
             <a:r>
-              <a:rPr b="1" lang="es-PA" sz="1800">
-                <a:solidFill>
-                  <a:schemeClr val="lt1"/>
-                </a:solidFill>
-                <a:latin typeface="Century Gothic"/>
-                <a:ea typeface="Century Gothic"/>
-                <a:cs typeface="Century Gothic"/>
-                <a:sym typeface="Century Gothic"/>
+              <a:rPr b="1" lang="es-PA" sz="2200">
+                <a:solidFill>
+                  <a:srgbClr val="FFFFFF"/>
+                </a:solidFill>
               </a:rPr>
               <a:t>HU001:</a:t>
             </a:r>
             <a:r>
-              <a:rPr lang="es-PA" sz="1800">
-                <a:solidFill>
-                  <a:schemeClr val="lt1"/>
-                </a:solidFill>
-                <a:latin typeface="Century Gothic"/>
-                <a:ea typeface="Century Gothic"/>
-                <a:cs typeface="Century Gothic"/>
-                <a:sym typeface="Century Gothic"/>
+              <a:rPr lang="es-PA" sz="2200">
+                <a:solidFill>
+                  <a:srgbClr val="FFFFFF"/>
+                </a:solidFill>
               </a:rPr>
               <a:t> Generar el informe post-tratamiento automáticamente en formato PDF.</a:t>
             </a:r>
-            <a:endParaRPr sz="1800">
+            <a:endParaRPr sz="2200">
               <a:solidFill>
-                <a:schemeClr val="lt1"/>
+                <a:srgbClr val="FFFFFF"/>
               </a:solidFill>
-              <a:latin typeface="Century Gothic"/>
-              <a:ea typeface="Century Gothic"/>
-              <a:cs typeface="Century Gothic"/>
-              <a:sym typeface="Century Gothic"/>
             </a:endParaRPr>
           </a:p>
           <a:p>
-            <a:pPr indent="0" lvl="0" marL="457200" rtl="0" algn="l">
-              <a:spcBef>
-                <a:spcPts val="0"/>
-              </a:spcBef>
-              <a:spcAft>
-                <a:spcPts val="0"/>
-              </a:spcAft>
-              <a:buNone/>
-            </a:pPr>
-            <a:r>
-              <a:t/>
-            </a:r>
-            <a:endParaRPr sz="1800">
-              <a:solidFill>
-                <a:schemeClr val="lt1"/>
-              </a:solidFill>
-              <a:latin typeface="Century Gothic"/>
-              <a:ea typeface="Century Gothic"/>
-              <a:cs typeface="Century Gothic"/>
-              <a:sym typeface="Century Gothic"/>
-            </a:endParaRPr>
-          </a:p>
-          <a:p>
-            <a:pPr indent="-342900" lvl="0" marL="457200" rtl="0" algn="l">
+            <a:pPr indent="-368300" lvl="0" marL="457200" rtl="0" algn="l">
               <a:spcBef>
                 <a:spcPts val="0"/>
               </a:spcBef>
@@ -18497,37 +18606,40 @@
                 <a:spcPts val="0"/>
               </a:spcAft>
               <a:buClr>
-                <a:schemeClr val="lt1"/>
+                <a:srgbClr val="FFFFFF"/>
               </a:buClr>
-              <a:buSzPts val="1800"/>
-              <a:buFont typeface="Century Gothic"/>
+              <a:buSzPts val="2200"/>
               <a:buAutoNum type="arabicPeriod"/>
             </a:pPr>
             <a:r>
-              <a:rPr b="1" lang="es-PA" sz="1800">
-                <a:solidFill>
-                  <a:schemeClr val="lt1"/>
-                </a:solidFill>
-                <a:latin typeface="Century Gothic"/>
-                <a:ea typeface="Century Gothic"/>
-                <a:cs typeface="Century Gothic"/>
-                <a:sym typeface="Century Gothic"/>
+              <a:rPr b="1" lang="es-PA" sz="2200">
+                <a:solidFill>
+                  <a:srgbClr val="FFFFFF"/>
+                </a:solidFill>
               </a:rPr>
-              <a:t>HU002: </a:t>
+              <a:t>H</a:t>
             </a:r>
             <a:r>
-              <a:rPr lang="es-PA" sz="1800">
-                <a:solidFill>
-                  <a:schemeClr val="lt1"/>
-                </a:solidFill>
-                <a:latin typeface="Century Gothic"/>
-                <a:ea typeface="Century Gothic"/>
-                <a:cs typeface="Century Gothic"/>
-                <a:sym typeface="Century Gothic"/>
+              <a:rPr b="1" lang="es-PA" sz="2200">
+                <a:solidFill>
+                  <a:srgbClr val="FFFFFF"/>
+                </a:solidFill>
               </a:rPr>
-              <a:t>Imprimir una copia del informe post-tratamiento</a:t>
+              <a:t>U002</a:t>
             </a:r>
-            <a:endParaRPr/>
+            <a:r>
+              <a:rPr lang="es-PA" sz="2200">
+                <a:solidFill>
+                  <a:srgbClr val="FFFFFF"/>
+                </a:solidFill>
+              </a:rPr>
+              <a:t>: Imprimir una copia del informe post-tratamiento </a:t>
+            </a:r>
+            <a:endParaRPr sz="2200">
+              <a:solidFill>
+                <a:srgbClr val="FFFFFF"/>
+              </a:solidFill>
+            </a:endParaRPr>
           </a:p>
         </p:txBody>
       </p:sp>
@@ -18564,7 +18676,7 @@
         </p:nvSpPr>
         <p:spPr>
           <a:xfrm>
-            <a:off x="467552" y="1412775"/>
+            <a:off x="467552" y="483100"/>
             <a:ext cx="7971900" cy="523200"/>
           </a:xfrm>
           <a:prstGeom prst="rect">
@@ -18614,8 +18726,8 @@
         </p:nvSpPr>
         <p:spPr>
           <a:xfrm>
-            <a:off x="467550" y="1993600"/>
-            <a:ext cx="3000000" cy="738900"/>
+            <a:off x="467550" y="1262300"/>
+            <a:ext cx="7971900" cy="954300"/>
           </a:xfrm>
           <a:prstGeom prst="rect">
             <a:avLst/>
@@ -18638,24 +18750,52 @@
               <a:spcAft>
                 <a:spcPts val="0"/>
               </a:spcAft>
+              <a:buClr>
+                <a:schemeClr val="dk1"/>
+              </a:buClr>
+              <a:buSzPts val="1100"/>
+              <a:buFont typeface="Arial"/>
               <a:buNone/>
             </a:pPr>
             <a:r>
-              <a:rPr lang="es-PA" sz="1800">
+              <a:rPr b="1" lang="es-PA" sz="1600">
                 <a:solidFill>
                   <a:schemeClr val="lt1"/>
                 </a:solidFill>
-                <a:highlight>
-                  <a:schemeClr val="dk2"/>
-                </a:highlight>
-                <a:latin typeface="Century Gothic"/>
-                <a:ea typeface="Century Gothic"/>
-                <a:cs typeface="Century Gothic"/>
-                <a:sym typeface="Century Gothic"/>
               </a:rPr>
-              <a:t>Pega capturas de la app en funcionamiento</a:t>
+              <a:t>Caso de prueba de sistema – Prueba funcional:</a:t>
             </a:r>
-            <a:endParaRPr>
+            <a:r>
+              <a:rPr lang="es-PA" sz="1600">
+                <a:solidFill>
+                  <a:schemeClr val="lt1"/>
+                </a:solidFill>
+              </a:rPr>
+              <a:t> Generar el informe post-tratamiento automáticamente en formato PDF.</a:t>
+            </a:r>
+            <a:endParaRPr b="1" sz="1600">
+              <a:solidFill>
+                <a:schemeClr val="lt1"/>
+              </a:solidFill>
+            </a:endParaRPr>
+          </a:p>
+          <a:p>
+            <a:pPr indent="0" lvl="0" marL="0" rtl="0" algn="l">
+              <a:spcBef>
+                <a:spcPts val="0"/>
+              </a:spcBef>
+              <a:spcAft>
+                <a:spcPts val="0"/>
+              </a:spcAft>
+              <a:buNone/>
+            </a:pPr>
+            <a:r>
+              <a:t/>
+            </a:r>
+            <a:endParaRPr sz="1800">
+              <a:solidFill>
+                <a:schemeClr val="lt1"/>
+              </a:solidFill>
               <a:highlight>
                 <a:schemeClr val="dk2"/>
               </a:highlight>
@@ -18667,6 +18807,339 @@
           </a:p>
         </p:txBody>
       </p:sp>
+      <p:sp>
+        <p:nvSpPr>
+          <p:cNvPr id="171" name="Google Shape;171;g2df54550888_0_9"/>
+          <p:cNvSpPr txBox="1"/>
+          <p:nvPr>
+            <p:ph idx="3" type="body"/>
+          </p:nvPr>
+        </p:nvSpPr>
+        <p:spPr>
+          <a:xfrm>
+            <a:off x="508000" y="4437525"/>
+            <a:ext cx="2523600" cy="659100"/>
+          </a:xfrm>
+          <a:prstGeom prst="rect">
+            <a:avLst/>
+          </a:prstGeom>
+        </p:spPr>
+        <p:txBody>
+          <a:bodyPr anchorCtr="0" anchor="t" bIns="45700" lIns="91425" spcFirstLastPara="1" rIns="91425" wrap="square" tIns="45700">
+            <a:noAutofit/>
+          </a:bodyPr>
+          <a:lstStyle/>
+          <a:p>
+            <a:pPr indent="0" lvl="0" marL="0" rtl="0" algn="l">
+              <a:lnSpc>
+                <a:spcPct val="80000"/>
+              </a:lnSpc>
+              <a:spcBef>
+                <a:spcPts val="0"/>
+              </a:spcBef>
+              <a:spcAft>
+                <a:spcPts val="0"/>
+              </a:spcAft>
+              <a:buClr>
+                <a:schemeClr val="dk1"/>
+              </a:buClr>
+              <a:buSzPts val="852"/>
+              <a:buFont typeface="Arial"/>
+              <a:buNone/>
+            </a:pPr>
+            <a:r>
+              <a:rPr b="1" lang="es-PA" sz="1440">
+                <a:latin typeface="Arial"/>
+                <a:ea typeface="Arial"/>
+                <a:cs typeface="Arial"/>
+                <a:sym typeface="Arial"/>
+              </a:rPr>
+              <a:t>Primero ve visualiza el registro de los informes.</a:t>
+            </a:r>
+            <a:endParaRPr b="1" sz="1440">
+              <a:latin typeface="Arial"/>
+              <a:ea typeface="Arial"/>
+              <a:cs typeface="Arial"/>
+              <a:sym typeface="Arial"/>
+            </a:endParaRPr>
+          </a:p>
+          <a:p>
+            <a:pPr indent="0" lvl="0" marL="0" rtl="0" algn="l">
+              <a:lnSpc>
+                <a:spcPct val="80000"/>
+              </a:lnSpc>
+              <a:spcBef>
+                <a:spcPts val="1000"/>
+              </a:spcBef>
+              <a:spcAft>
+                <a:spcPts val="0"/>
+              </a:spcAft>
+              <a:buSzPts val="852"/>
+              <a:buNone/>
+            </a:pPr>
+            <a:r>
+              <a:t/>
+            </a:r>
+            <a:endParaRPr sz="1085"/>
+          </a:p>
+        </p:txBody>
+      </p:sp>
+      <p:pic>
+        <p:nvPicPr>
+          <p:cNvPr id="172" name="Google Shape;172;g2df54550888_0_9"/>
+          <p:cNvPicPr preferRelativeResize="0"/>
+          <p:nvPr/>
+        </p:nvPicPr>
+        <p:blipFill>
+          <a:blip r:embed="rId3">
+            <a:alphaModFix/>
+          </a:blip>
+          <a:stretch>
+            <a:fillRect/>
+          </a:stretch>
+        </p:blipFill>
+        <p:spPr>
+          <a:xfrm>
+            <a:off x="179287" y="2591850"/>
+            <a:ext cx="2938520" cy="1650925"/>
+          </a:xfrm>
+          <a:prstGeom prst="rect">
+            <a:avLst/>
+          </a:prstGeom>
+          <a:noFill/>
+          <a:ln>
+            <a:noFill/>
+          </a:ln>
+        </p:spPr>
+      </p:pic>
+      <p:sp>
+        <p:nvSpPr>
+          <p:cNvPr id="173" name="Google Shape;173;g2df54550888_0_9"/>
+          <p:cNvSpPr txBox="1"/>
+          <p:nvPr>
+            <p:ph idx="3" type="body"/>
+          </p:nvPr>
+        </p:nvSpPr>
+        <p:spPr>
+          <a:xfrm>
+            <a:off x="3540500" y="4437525"/>
+            <a:ext cx="2523600" cy="659100"/>
+          </a:xfrm>
+          <a:prstGeom prst="rect">
+            <a:avLst/>
+          </a:prstGeom>
+        </p:spPr>
+        <p:txBody>
+          <a:bodyPr anchorCtr="0" anchor="t" bIns="45700" lIns="91425" spcFirstLastPara="1" rIns="91425" wrap="square" tIns="45700">
+            <a:noAutofit/>
+          </a:bodyPr>
+          <a:lstStyle/>
+          <a:p>
+            <a:pPr indent="0" lvl="0" marL="0" rtl="0" algn="l">
+              <a:spcBef>
+                <a:spcPts val="0"/>
+              </a:spcBef>
+              <a:spcAft>
+                <a:spcPts val="0"/>
+              </a:spcAft>
+              <a:buClr>
+                <a:schemeClr val="dk1"/>
+              </a:buClr>
+              <a:buSzPts val="1100"/>
+              <a:buFont typeface="Arial"/>
+              <a:buNone/>
+            </a:pPr>
+            <a:r>
+              <a:rPr b="1" lang="es-PA">
+                <a:latin typeface="Arial"/>
+                <a:ea typeface="Arial"/>
+                <a:cs typeface="Arial"/>
+                <a:sym typeface="Arial"/>
+              </a:rPr>
+              <a:t>Se visualiza a uno de ellos y se pone click a imprimir.</a:t>
+            </a:r>
+            <a:endParaRPr b="1">
+              <a:latin typeface="Arial"/>
+              <a:ea typeface="Arial"/>
+              <a:cs typeface="Arial"/>
+              <a:sym typeface="Arial"/>
+            </a:endParaRPr>
+          </a:p>
+          <a:p>
+            <a:pPr indent="0" lvl="0" marL="0" rtl="0" algn="l">
+              <a:lnSpc>
+                <a:spcPct val="80000"/>
+              </a:lnSpc>
+              <a:spcBef>
+                <a:spcPts val="0"/>
+              </a:spcBef>
+              <a:spcAft>
+                <a:spcPts val="0"/>
+              </a:spcAft>
+              <a:buSzPts val="852"/>
+              <a:buNone/>
+            </a:pPr>
+            <a:r>
+              <a:t/>
+            </a:r>
+            <a:endParaRPr b="1" sz="1440">
+              <a:latin typeface="Arial"/>
+              <a:ea typeface="Arial"/>
+              <a:cs typeface="Arial"/>
+              <a:sym typeface="Arial"/>
+            </a:endParaRPr>
+          </a:p>
+          <a:p>
+            <a:pPr indent="0" lvl="0" marL="0" rtl="0" algn="l">
+              <a:lnSpc>
+                <a:spcPct val="80000"/>
+              </a:lnSpc>
+              <a:spcBef>
+                <a:spcPts val="1000"/>
+              </a:spcBef>
+              <a:spcAft>
+                <a:spcPts val="0"/>
+              </a:spcAft>
+              <a:buSzPts val="852"/>
+              <a:buNone/>
+            </a:pPr>
+            <a:r>
+              <a:t/>
+            </a:r>
+            <a:endParaRPr sz="1085"/>
+          </a:p>
+        </p:txBody>
+      </p:sp>
+      <p:sp>
+        <p:nvSpPr>
+          <p:cNvPr id="174" name="Google Shape;174;g2df54550888_0_9"/>
+          <p:cNvSpPr txBox="1"/>
+          <p:nvPr>
+            <p:ph idx="3" type="body"/>
+          </p:nvPr>
+        </p:nvSpPr>
+        <p:spPr>
+          <a:xfrm>
+            <a:off x="6831100" y="4437525"/>
+            <a:ext cx="2523600" cy="659100"/>
+          </a:xfrm>
+          <a:prstGeom prst="rect">
+            <a:avLst/>
+          </a:prstGeom>
+        </p:spPr>
+        <p:txBody>
+          <a:bodyPr anchorCtr="0" anchor="t" bIns="45700" lIns="91425" spcFirstLastPara="1" rIns="91425" wrap="square" tIns="45700">
+            <a:noAutofit/>
+          </a:bodyPr>
+          <a:lstStyle/>
+          <a:p>
+            <a:pPr indent="0" lvl="0" marL="0" rtl="0" algn="l">
+              <a:spcBef>
+                <a:spcPts val="0"/>
+              </a:spcBef>
+              <a:spcAft>
+                <a:spcPts val="0"/>
+              </a:spcAft>
+              <a:buClr>
+                <a:schemeClr val="dk1"/>
+              </a:buClr>
+              <a:buSzPts val="1100"/>
+              <a:buFont typeface="Arial"/>
+              <a:buNone/>
+            </a:pPr>
+            <a:r>
+              <a:rPr b="1" lang="es-PA">
+                <a:latin typeface="Arial"/>
+                <a:ea typeface="Arial"/>
+                <a:cs typeface="Arial"/>
+                <a:sym typeface="Arial"/>
+              </a:rPr>
+              <a:t>Por último se ejecuta el código y se muestra el informe en formato PDF.</a:t>
+            </a:r>
+            <a:endParaRPr b="1">
+              <a:latin typeface="Arial"/>
+              <a:ea typeface="Arial"/>
+              <a:cs typeface="Arial"/>
+              <a:sym typeface="Arial"/>
+            </a:endParaRPr>
+          </a:p>
+          <a:p>
+            <a:pPr indent="0" lvl="0" marL="0" rtl="0" algn="l">
+              <a:lnSpc>
+                <a:spcPct val="80000"/>
+              </a:lnSpc>
+              <a:spcBef>
+                <a:spcPts val="1000"/>
+              </a:spcBef>
+              <a:spcAft>
+                <a:spcPts val="0"/>
+              </a:spcAft>
+              <a:buSzPts val="852"/>
+              <a:buNone/>
+            </a:pPr>
+            <a:r>
+              <a:t/>
+            </a:r>
+            <a:endParaRPr sz="1085"/>
+          </a:p>
+        </p:txBody>
+      </p:sp>
+      <p:pic>
+        <p:nvPicPr>
+          <p:cNvPr id="175" name="Google Shape;175;g2df54550888_0_9"/>
+          <p:cNvPicPr preferRelativeResize="0"/>
+          <p:nvPr/>
+        </p:nvPicPr>
+        <p:blipFill>
+          <a:blip r:embed="rId4">
+            <a:alphaModFix/>
+          </a:blip>
+          <a:stretch>
+            <a:fillRect/>
+          </a:stretch>
+        </p:blipFill>
+        <p:spPr>
+          <a:xfrm>
+            <a:off x="3279063" y="2591861"/>
+            <a:ext cx="2938500" cy="1650915"/>
+          </a:xfrm>
+          <a:prstGeom prst="rect">
+            <a:avLst/>
+          </a:prstGeom>
+          <a:noFill/>
+          <a:ln>
+            <a:noFill/>
+          </a:ln>
+        </p:spPr>
+      </p:pic>
+      <p:pic>
+        <p:nvPicPr>
+          <p:cNvPr id="176" name="Google Shape;176;g2df54550888_0_9"/>
+          <p:cNvPicPr preferRelativeResize="0"/>
+          <p:nvPr/>
+        </p:nvPicPr>
+        <p:blipFill>
+          <a:blip r:embed="rId5">
+            <a:alphaModFix/>
+          </a:blip>
+          <a:stretch>
+            <a:fillRect/>
+          </a:stretch>
+        </p:blipFill>
+        <p:spPr>
+          <a:xfrm>
+            <a:off x="6378825" y="2564850"/>
+            <a:ext cx="2724800" cy="1704925"/>
+          </a:xfrm>
+          <a:prstGeom prst="rect">
+            <a:avLst/>
+          </a:prstGeom>
+          <a:noFill/>
+          <a:ln>
+            <a:noFill/>
+          </a:ln>
+        </p:spPr>
+      </p:pic>
     </p:spTree>
   </p:cSld>
   <p:clrMapOvr>
@@ -18680,7 +19153,7 @@
   <p:cSld>
     <p:spTree>
       <p:nvGrpSpPr>
-        <p:cNvPr id="174" name="Shape 174"/>
+        <p:cNvPr id="181" name="Shape 181"/>
         <p:cNvGrpSpPr/>
         <p:nvPr/>
       </p:nvGrpSpPr>
@@ -18694,7 +19167,453 @@
       </p:grpSpPr>
       <p:sp>
         <p:nvSpPr>
-          <p:cNvPr id="175" name="Google Shape;175;g2df54550888_0_5"/>
+          <p:cNvPr id="182" name="Google Shape;182;g2df592c8248_0_40"/>
+          <p:cNvSpPr txBox="1"/>
+          <p:nvPr>
+            <p:ph idx="3" type="body"/>
+          </p:nvPr>
+        </p:nvSpPr>
+        <p:spPr>
+          <a:xfrm>
+            <a:off x="230650" y="4669063"/>
+            <a:ext cx="2523600" cy="659100"/>
+          </a:xfrm>
+          <a:prstGeom prst="rect">
+            <a:avLst/>
+          </a:prstGeom>
+        </p:spPr>
+        <p:txBody>
+          <a:bodyPr anchorCtr="0" anchor="t" bIns="45700" lIns="91425" spcFirstLastPara="1" rIns="91425" wrap="square" tIns="45700">
+            <a:noAutofit/>
+          </a:bodyPr>
+          <a:lstStyle/>
+          <a:p>
+            <a:pPr indent="0" lvl="0" marL="0" rtl="0" algn="l">
+              <a:spcBef>
+                <a:spcPts val="0"/>
+              </a:spcBef>
+              <a:spcAft>
+                <a:spcPts val="0"/>
+              </a:spcAft>
+              <a:buClr>
+                <a:schemeClr val="dk1"/>
+              </a:buClr>
+              <a:buSzPts val="1100"/>
+              <a:buFont typeface="Arial"/>
+              <a:buNone/>
+            </a:pPr>
+            <a:r>
+              <a:rPr b="1" lang="es-PA">
+                <a:latin typeface="Arial"/>
+                <a:ea typeface="Arial"/>
+                <a:cs typeface="Arial"/>
+                <a:sym typeface="Arial"/>
+              </a:rPr>
+              <a:t>Generar una configuración.</a:t>
+            </a:r>
+            <a:endParaRPr b="1">
+              <a:latin typeface="Arial"/>
+              <a:ea typeface="Arial"/>
+              <a:cs typeface="Arial"/>
+              <a:sym typeface="Arial"/>
+            </a:endParaRPr>
+          </a:p>
+          <a:p>
+            <a:pPr indent="0" lvl="0" marL="0" rtl="0" algn="l">
+              <a:lnSpc>
+                <a:spcPct val="80000"/>
+              </a:lnSpc>
+              <a:spcBef>
+                <a:spcPts val="0"/>
+              </a:spcBef>
+              <a:spcAft>
+                <a:spcPts val="0"/>
+              </a:spcAft>
+              <a:buSzPts val="852"/>
+              <a:buNone/>
+            </a:pPr>
+            <a:r>
+              <a:t/>
+            </a:r>
+            <a:endParaRPr b="1" sz="1440">
+              <a:latin typeface="Arial"/>
+              <a:ea typeface="Arial"/>
+              <a:cs typeface="Arial"/>
+              <a:sym typeface="Arial"/>
+            </a:endParaRPr>
+          </a:p>
+          <a:p>
+            <a:pPr indent="0" lvl="0" marL="0" rtl="0" algn="l">
+              <a:lnSpc>
+                <a:spcPct val="80000"/>
+              </a:lnSpc>
+              <a:spcBef>
+                <a:spcPts val="1000"/>
+              </a:spcBef>
+              <a:spcAft>
+                <a:spcPts val="0"/>
+              </a:spcAft>
+              <a:buSzPts val="852"/>
+              <a:buNone/>
+            </a:pPr>
+            <a:r>
+              <a:t/>
+            </a:r>
+            <a:endParaRPr sz="1085"/>
+          </a:p>
+        </p:txBody>
+      </p:sp>
+      <p:sp>
+        <p:nvSpPr>
+          <p:cNvPr id="183" name="Google Shape;183;g2df592c8248_0_40"/>
+          <p:cNvSpPr txBox="1"/>
+          <p:nvPr>
+            <p:ph idx="3" type="body"/>
+          </p:nvPr>
+        </p:nvSpPr>
+        <p:spPr>
+          <a:xfrm>
+            <a:off x="3263150" y="4669063"/>
+            <a:ext cx="2523600" cy="659100"/>
+          </a:xfrm>
+          <a:prstGeom prst="rect">
+            <a:avLst/>
+          </a:prstGeom>
+        </p:spPr>
+        <p:txBody>
+          <a:bodyPr anchorCtr="0" anchor="t" bIns="45700" lIns="91425" spcFirstLastPara="1" rIns="91425" wrap="square" tIns="45700">
+            <a:noAutofit/>
+          </a:bodyPr>
+          <a:lstStyle/>
+          <a:p>
+            <a:pPr indent="0" lvl="0" marL="0" rtl="0" algn="l">
+              <a:spcBef>
+                <a:spcPts val="0"/>
+              </a:spcBef>
+              <a:spcAft>
+                <a:spcPts val="0"/>
+              </a:spcAft>
+              <a:buSzPts val="1100"/>
+              <a:buNone/>
+            </a:pPr>
+            <a:r>
+              <a:rPr b="1" lang="es-PA">
+                <a:latin typeface="Arial"/>
+                <a:ea typeface="Arial"/>
+                <a:cs typeface="Arial"/>
+                <a:sym typeface="Arial"/>
+              </a:rPr>
+              <a:t>Se visualiza a uno de ellos y se pone click a imprimir.</a:t>
+            </a:r>
+            <a:endParaRPr b="1">
+              <a:latin typeface="Arial"/>
+              <a:ea typeface="Arial"/>
+              <a:cs typeface="Arial"/>
+              <a:sym typeface="Arial"/>
+            </a:endParaRPr>
+          </a:p>
+          <a:p>
+            <a:pPr indent="0" lvl="0" marL="0" rtl="0" algn="l">
+              <a:lnSpc>
+                <a:spcPct val="80000"/>
+              </a:lnSpc>
+              <a:spcBef>
+                <a:spcPts val="0"/>
+              </a:spcBef>
+              <a:spcAft>
+                <a:spcPts val="0"/>
+              </a:spcAft>
+              <a:buSzPts val="852"/>
+              <a:buNone/>
+            </a:pPr>
+            <a:r>
+              <a:t/>
+            </a:r>
+            <a:endParaRPr b="1" sz="1440">
+              <a:latin typeface="Arial"/>
+              <a:ea typeface="Arial"/>
+              <a:cs typeface="Arial"/>
+              <a:sym typeface="Arial"/>
+            </a:endParaRPr>
+          </a:p>
+          <a:p>
+            <a:pPr indent="0" lvl="0" marL="0" rtl="0" algn="l">
+              <a:lnSpc>
+                <a:spcPct val="80000"/>
+              </a:lnSpc>
+              <a:spcBef>
+                <a:spcPts val="1000"/>
+              </a:spcBef>
+              <a:spcAft>
+                <a:spcPts val="0"/>
+              </a:spcAft>
+              <a:buSzPts val="852"/>
+              <a:buNone/>
+            </a:pPr>
+            <a:r>
+              <a:t/>
+            </a:r>
+            <a:endParaRPr sz="1085"/>
+          </a:p>
+        </p:txBody>
+      </p:sp>
+      <p:sp>
+        <p:nvSpPr>
+          <p:cNvPr id="184" name="Google Shape;184;g2df592c8248_0_40"/>
+          <p:cNvSpPr txBox="1"/>
+          <p:nvPr>
+            <p:ph idx="3" type="body"/>
+          </p:nvPr>
+        </p:nvSpPr>
+        <p:spPr>
+          <a:xfrm>
+            <a:off x="6553750" y="4669063"/>
+            <a:ext cx="2523600" cy="659100"/>
+          </a:xfrm>
+          <a:prstGeom prst="rect">
+            <a:avLst/>
+          </a:prstGeom>
+        </p:spPr>
+        <p:txBody>
+          <a:bodyPr anchorCtr="0" anchor="t" bIns="45700" lIns="91425" spcFirstLastPara="1" rIns="91425" wrap="square" tIns="45700">
+            <a:noAutofit/>
+          </a:bodyPr>
+          <a:lstStyle/>
+          <a:p>
+            <a:pPr indent="0" lvl="0" marL="0" rtl="0" algn="l">
+              <a:spcBef>
+                <a:spcPts val="0"/>
+              </a:spcBef>
+              <a:spcAft>
+                <a:spcPts val="0"/>
+              </a:spcAft>
+              <a:buSzPts val="1100"/>
+              <a:buNone/>
+            </a:pPr>
+            <a:r>
+              <a:rPr b="1" lang="es-PA">
+                <a:latin typeface="Arial"/>
+                <a:ea typeface="Arial"/>
+                <a:cs typeface="Arial"/>
+                <a:sym typeface="Arial"/>
+              </a:rPr>
+              <a:t>Se imprime</a:t>
+            </a:r>
+            <a:endParaRPr b="1">
+              <a:latin typeface="Arial"/>
+              <a:ea typeface="Arial"/>
+              <a:cs typeface="Arial"/>
+              <a:sym typeface="Arial"/>
+            </a:endParaRPr>
+          </a:p>
+          <a:p>
+            <a:pPr indent="0" lvl="0" marL="0" rtl="0" algn="l">
+              <a:lnSpc>
+                <a:spcPct val="80000"/>
+              </a:lnSpc>
+              <a:spcBef>
+                <a:spcPts val="1000"/>
+              </a:spcBef>
+              <a:spcAft>
+                <a:spcPts val="0"/>
+              </a:spcAft>
+              <a:buSzPts val="852"/>
+              <a:buNone/>
+            </a:pPr>
+            <a:r>
+              <a:t/>
+            </a:r>
+            <a:endParaRPr sz="1085"/>
+          </a:p>
+        </p:txBody>
+      </p:sp>
+      <p:sp>
+        <p:nvSpPr>
+          <p:cNvPr id="185" name="Google Shape;185;g2df592c8248_0_40"/>
+          <p:cNvSpPr txBox="1"/>
+          <p:nvPr/>
+        </p:nvSpPr>
+        <p:spPr>
+          <a:xfrm>
+            <a:off x="305875" y="871175"/>
+            <a:ext cx="8397900" cy="1015800"/>
+          </a:xfrm>
+          <a:prstGeom prst="rect">
+            <a:avLst/>
+          </a:prstGeom>
+          <a:noFill/>
+          <a:ln>
+            <a:noFill/>
+          </a:ln>
+        </p:spPr>
+        <p:txBody>
+          <a:bodyPr anchorCtr="0" anchor="t" bIns="91425" lIns="91425" spcFirstLastPara="1" rIns="91425" wrap="square" tIns="91425">
+            <a:spAutoFit/>
+          </a:bodyPr>
+          <a:lstStyle/>
+          <a:p>
+            <a:pPr indent="0" lvl="0" marL="0" rtl="0" algn="l">
+              <a:spcBef>
+                <a:spcPts val="0"/>
+              </a:spcBef>
+              <a:spcAft>
+                <a:spcPts val="0"/>
+              </a:spcAft>
+              <a:buNone/>
+            </a:pPr>
+            <a:r>
+              <a:rPr b="1" lang="es-PA" sz="1800">
+                <a:solidFill>
+                  <a:schemeClr val="lt1"/>
+                </a:solidFill>
+              </a:rPr>
+              <a:t>Caso de prueba de sistema – Prueba funcional: Imprimir una copia del informe post-tratamiento.</a:t>
+            </a:r>
+            <a:endParaRPr b="1" sz="1800">
+              <a:solidFill>
+                <a:schemeClr val="lt1"/>
+              </a:solidFill>
+            </a:endParaRPr>
+          </a:p>
+          <a:p>
+            <a:pPr indent="0" lvl="0" marL="0" rtl="0" algn="l">
+              <a:spcBef>
+                <a:spcPts val="0"/>
+              </a:spcBef>
+              <a:spcAft>
+                <a:spcPts val="0"/>
+              </a:spcAft>
+              <a:buNone/>
+            </a:pPr>
+            <a:r>
+              <a:t/>
+            </a:r>
+            <a:endParaRPr sz="1800">
+              <a:solidFill>
+                <a:schemeClr val="lt1"/>
+              </a:solidFill>
+              <a:highlight>
+                <a:schemeClr val="dk2"/>
+              </a:highlight>
+              <a:latin typeface="Century Gothic"/>
+              <a:ea typeface="Century Gothic"/>
+              <a:cs typeface="Century Gothic"/>
+              <a:sym typeface="Century Gothic"/>
+            </a:endParaRPr>
+          </a:p>
+        </p:txBody>
+      </p:sp>
+      <p:pic>
+        <p:nvPicPr>
+          <p:cNvPr id="186" name="Google Shape;186;g2df592c8248_0_40"/>
+          <p:cNvPicPr preferRelativeResize="0"/>
+          <p:nvPr/>
+        </p:nvPicPr>
+        <p:blipFill rotWithShape="1">
+          <a:blip r:embed="rId3">
+            <a:alphaModFix/>
+          </a:blip>
+          <a:srcRect b="0" l="0" r="0" t="39972"/>
+          <a:stretch/>
+        </p:blipFill>
+        <p:spPr>
+          <a:xfrm>
+            <a:off x="230650" y="2136125"/>
+            <a:ext cx="2523600" cy="1704925"/>
+          </a:xfrm>
+          <a:prstGeom prst="rect">
+            <a:avLst/>
+          </a:prstGeom>
+          <a:noFill/>
+          <a:ln>
+            <a:noFill/>
+          </a:ln>
+        </p:spPr>
+      </p:pic>
+      <p:pic>
+        <p:nvPicPr>
+          <p:cNvPr id="187" name="Google Shape;187;g2df592c8248_0_40"/>
+          <p:cNvPicPr preferRelativeResize="0"/>
+          <p:nvPr/>
+        </p:nvPicPr>
+        <p:blipFill>
+          <a:blip r:embed="rId4">
+            <a:alphaModFix/>
+          </a:blip>
+          <a:stretch>
+            <a:fillRect/>
+          </a:stretch>
+        </p:blipFill>
+        <p:spPr>
+          <a:xfrm>
+            <a:off x="2929450" y="2116675"/>
+            <a:ext cx="2958450" cy="1797825"/>
+          </a:xfrm>
+          <a:prstGeom prst="rect">
+            <a:avLst/>
+          </a:prstGeom>
+          <a:noFill/>
+          <a:ln>
+            <a:noFill/>
+          </a:ln>
+        </p:spPr>
+      </p:pic>
+      <p:pic>
+        <p:nvPicPr>
+          <p:cNvPr id="188" name="Google Shape;188;g2df592c8248_0_40"/>
+          <p:cNvPicPr preferRelativeResize="0"/>
+          <p:nvPr/>
+        </p:nvPicPr>
+        <p:blipFill>
+          <a:blip r:embed="rId5">
+            <a:alphaModFix/>
+          </a:blip>
+          <a:stretch>
+            <a:fillRect/>
+          </a:stretch>
+        </p:blipFill>
+        <p:spPr>
+          <a:xfrm>
+            <a:off x="6553750" y="1688750"/>
+            <a:ext cx="2071150" cy="2653675"/>
+          </a:xfrm>
+          <a:prstGeom prst="rect">
+            <a:avLst/>
+          </a:prstGeom>
+          <a:noFill/>
+          <a:ln>
+            <a:noFill/>
+          </a:ln>
+        </p:spPr>
+      </p:pic>
+    </p:spTree>
+  </p:cSld>
+  <p:clrMapOvr>
+    <a:masterClrMapping/>
+  </p:clrMapOvr>
+</p:sld>
+</file>
+
+<file path=ppt/slides/slide6.xml><?xml version="1.0" encoding="utf-8"?>
+<p:sld xmlns:a="http://schemas.openxmlformats.org/drawingml/2006/main" xmlns:r="http://schemas.openxmlformats.org/officeDocument/2006/relationships" xmlns:mc="http://schemas.openxmlformats.org/markup-compatibility/2006" xmlns:mv="urn:schemas-microsoft-com:mac:vml" xmlns:p="http://schemas.openxmlformats.org/presentationml/2006/main" xmlns:c="http://schemas.openxmlformats.org/drawingml/2006/chart" xmlns:dgm="http://schemas.openxmlformats.org/drawingml/2006/diagram" xmlns:o="urn:schemas-microsoft-com:office:office" xmlns:v="urn:schemas-microsoft-com:vml" xmlns:pvml="urn:schemas-microsoft-com:office:powerpoint" xmlns:com="http://schemas.openxmlformats.org/drawingml/2006/compatibility" xmlns:p14="http://schemas.microsoft.com/office/powerpoint/2010/main" xmlns:p15="http://schemas.microsoft.com/office/powerpoint/2012/main" xmlns:ahyp="http://schemas.microsoft.com/office/drawing/2018/hyperlinkcolor">
+  <p:cSld>
+    <p:spTree>
+      <p:nvGrpSpPr>
+        <p:cNvPr id="192" name="Shape 192"/>
+        <p:cNvGrpSpPr/>
+        <p:nvPr/>
+      </p:nvGrpSpPr>
+      <p:grpSpPr>
+        <a:xfrm>
+          <a:off x="0" y="0"/>
+          <a:ext cx="0" cy="0"/>
+          <a:chOff x="0" y="0"/>
+          <a:chExt cx="0" cy="0"/>
+        </a:xfrm>
+      </p:grpSpPr>
+      <p:sp>
+        <p:nvSpPr>
+          <p:cNvPr id="193" name="Google Shape;193;g2df54550888_0_5"/>
           <p:cNvSpPr txBox="1"/>
           <p:nvPr/>
         </p:nvSpPr>
@@ -18744,14 +19663,14 @@
       </p:sp>
       <p:sp>
         <p:nvSpPr>
-          <p:cNvPr id="176" name="Google Shape;176;g2df54550888_0_5"/>
+          <p:cNvPr id="194" name="Google Shape;194;g2df54550888_0_5"/>
           <p:cNvSpPr txBox="1"/>
           <p:nvPr/>
         </p:nvSpPr>
         <p:spPr>
           <a:xfrm>
             <a:off x="467550" y="1993600"/>
-            <a:ext cx="6935400" cy="738900"/>
+            <a:ext cx="8047800" cy="3108300"/>
           </a:xfrm>
           <a:prstGeom prst="rect">
             <a:avLst/>
@@ -18777,21 +19696,179 @@
               <a:buNone/>
             </a:pPr>
             <a:r>
+              <a:rPr b="1" lang="es-PA" sz="1900">
+                <a:solidFill>
+                  <a:schemeClr val="lt1"/>
+                </a:solidFill>
+              </a:rPr>
+              <a:t>Próximos avances:</a:t>
+            </a:r>
+            <a:endParaRPr b="1" sz="1900">
+              <a:solidFill>
+                <a:schemeClr val="lt1"/>
+              </a:solidFill>
+            </a:endParaRPr>
+          </a:p>
+          <a:p>
+            <a:pPr indent="0" lvl="0" marL="0" rtl="0" algn="l">
+              <a:lnSpc>
+                <a:spcPct val="115000"/>
+              </a:lnSpc>
+              <a:spcBef>
+                <a:spcPts val="0"/>
+              </a:spcBef>
+              <a:spcAft>
+                <a:spcPts val="0"/>
+              </a:spcAft>
+              <a:buNone/>
+            </a:pPr>
+            <a:r>
+              <a:t/>
+            </a:r>
+            <a:endParaRPr b="1">
+              <a:solidFill>
+                <a:schemeClr val="lt1"/>
+              </a:solidFill>
+            </a:endParaRPr>
+          </a:p>
+          <a:p>
+            <a:pPr indent="0" lvl="0" marL="0" rtl="0" algn="just">
+              <a:lnSpc>
+                <a:spcPct val="115000"/>
+              </a:lnSpc>
+              <a:spcBef>
+                <a:spcPts val="1000"/>
+              </a:spcBef>
+              <a:spcAft>
+                <a:spcPts val="0"/>
+              </a:spcAft>
+              <a:buNone/>
+            </a:pPr>
+            <a:r>
+              <a:rPr b="1" lang="es-PA" sz="1800">
+                <a:solidFill>
+                  <a:schemeClr val="lt1"/>
+                </a:solidFill>
+              </a:rPr>
+              <a:t>HU003</a:t>
+            </a:r>
+            <a:r>
+              <a:rPr b="1" lang="es-PA" sz="1800">
+                <a:solidFill>
+                  <a:schemeClr val="lt1"/>
+                </a:solidFill>
+              </a:rPr>
+              <a:t>:</a:t>
+            </a:r>
+            <a:r>
               <a:rPr lang="es-PA" sz="1800">
                 <a:solidFill>
                   <a:schemeClr val="lt1"/>
                 </a:solidFill>
-                <a:highlight>
-                  <a:schemeClr val="dk2"/>
-                </a:highlight>
-                <a:latin typeface="Century Gothic"/>
-                <a:ea typeface="Century Gothic"/>
-                <a:cs typeface="Century Gothic"/>
-                <a:sym typeface="Century Gothic"/>
               </a:rPr>
-              <a:t>Revisa el informe de estado sprint 1 - Sección de Próximos avances</a:t>
+              <a:t> Agregar notas personalizadas al informe post-tratamiento</a:t>
             </a:r>
-            <a:endParaRPr>
+            <a:endParaRPr sz="1800">
+              <a:solidFill>
+                <a:schemeClr val="lt1"/>
+              </a:solidFill>
+            </a:endParaRPr>
+          </a:p>
+          <a:p>
+            <a:pPr indent="0" lvl="0" marL="0" rtl="0" algn="just">
+              <a:lnSpc>
+                <a:spcPct val="115000"/>
+              </a:lnSpc>
+              <a:spcBef>
+                <a:spcPts val="1000"/>
+              </a:spcBef>
+              <a:spcAft>
+                <a:spcPts val="0"/>
+              </a:spcAft>
+              <a:buNone/>
+            </a:pPr>
+            <a:r>
+              <a:rPr b="1" lang="es-PA" sz="1800">
+                <a:solidFill>
+                  <a:schemeClr val="lt1"/>
+                </a:solidFill>
+              </a:rPr>
+              <a:t>HU005</a:t>
+            </a:r>
+            <a:r>
+              <a:rPr b="1" lang="es-PA" sz="1800">
+                <a:solidFill>
+                  <a:schemeClr val="lt1"/>
+                </a:solidFill>
+              </a:rPr>
+              <a:t>:</a:t>
+            </a:r>
+            <a:r>
+              <a:rPr lang="es-PA" sz="1800">
+                <a:solidFill>
+                  <a:schemeClr val="lt1"/>
+                </a:solidFill>
+              </a:rPr>
+              <a:t> Adjuntar imágenes intraorales y extraorales al informe post-tratamiento</a:t>
+            </a:r>
+            <a:endParaRPr sz="1800">
+              <a:solidFill>
+                <a:schemeClr val="lt1"/>
+              </a:solidFill>
+            </a:endParaRPr>
+          </a:p>
+          <a:p>
+            <a:pPr indent="0" lvl="0" marL="0" rtl="0" algn="just">
+              <a:lnSpc>
+                <a:spcPct val="115000"/>
+              </a:lnSpc>
+              <a:spcBef>
+                <a:spcPts val="1000"/>
+              </a:spcBef>
+              <a:spcAft>
+                <a:spcPts val="0"/>
+              </a:spcAft>
+              <a:buNone/>
+            </a:pPr>
+            <a:r>
+              <a:rPr lang="es-PA" sz="1800">
+                <a:solidFill>
+                  <a:schemeClr val="lt1"/>
+                </a:solidFill>
+              </a:rPr>
+              <a:t>Las siguientes tareas a realizar son las anteriores mencionadas, las cuales se encuentran desarrollando, ya que su fecha de inicio es del </a:t>
+            </a:r>
+            <a:r>
+              <a:rPr b="1" lang="es-PA" sz="1800">
+                <a:solidFill>
+                  <a:schemeClr val="lt1"/>
+                </a:solidFill>
+              </a:rPr>
+              <a:t>09/05/2024</a:t>
+            </a:r>
+            <a:endParaRPr b="1" sz="1800">
+              <a:solidFill>
+                <a:schemeClr val="lt1"/>
+              </a:solidFill>
+            </a:endParaRPr>
+          </a:p>
+          <a:p>
+            <a:pPr indent="0" lvl="0" marL="0" rtl="0" algn="l">
+              <a:spcBef>
+                <a:spcPts val="1000"/>
+              </a:spcBef>
+              <a:spcAft>
+                <a:spcPts val="0"/>
+              </a:spcAft>
+              <a:buNone/>
+            </a:pPr>
+            <a:r>
+              <a:t/>
+            </a:r>
+            <a:endParaRPr sz="1800">
+              <a:solidFill>
+                <a:schemeClr val="lt1"/>
+              </a:solidFill>
               <a:highlight>
                 <a:schemeClr val="dk2"/>
               </a:highlight>
